--- a/paper/resource/proposal.pptx
+++ b/paper/resource/proposal.pptx
@@ -3874,8 +3874,8 @@
         </p:nvSpPr>
         <p:spPr>
           <a:xfrm>
-            <a:off x="2193720" y="805468"/>
-            <a:ext cx="5262979" cy="369332"/>
+            <a:off x="2222356" y="805468"/>
+            <a:ext cx="5032147" cy="369332"/>
           </a:xfrm>
           <a:prstGeom prst="rect">
             <a:avLst/>
@@ -3890,7 +3890,7 @@
           <a:p>
             <a:r>
               <a:rPr kumimoji="1" lang="en-US" altLang="ja-JP"/>
-              <a:t>1) Extracting association rules from interaction history</a:t>
+              <a:t>1) Extract association rules from interaction history</a:t>
             </a:r>
           </a:p>
         </p:txBody>
@@ -3903,8 +3903,8 @@
         </p:nvSpPr>
         <p:spPr>
           <a:xfrm>
-            <a:off x="3025022" y="3486371"/>
-            <a:ext cx="3597109" cy="369332"/>
+            <a:off x="1675199" y="3682800"/>
+            <a:ext cx="6357292" cy="369332"/>
           </a:xfrm>
           <a:prstGeom prst="rect">
             <a:avLst/>
@@ -3919,7 +3919,7 @@
           <a:p>
             <a:r>
               <a:rPr kumimoji="1" lang="en-US" altLang="ja-JP"/>
-              <a:t>2) Perform change recommendation</a:t>
+              <a:t>2) Apply association rules and obtain change recommendation list</a:t>
             </a:r>
             <a:endParaRPr kumimoji="1" lang="ja-JP" altLang="en-US"/>
           </a:p>
@@ -4391,7 +4391,7 @@
         <p:spPr>
           <a:xfrm>
             <a:off x="6556795" y="4215193"/>
-            <a:ext cx="1851789" cy="338554"/>
+            <a:ext cx="1787669" cy="338554"/>
           </a:xfrm>
           <a:prstGeom prst="rect">
             <a:avLst/>
@@ -4409,7 +4409,7 @@
                 <a:latin typeface="+mj-ea"/>
                 <a:ea typeface="+mj-ea"/>
               </a:rPr>
-              <a:t>Change Recom. list</a:t>
+              <a:t>Change recom. list</a:t>
             </a:r>
             <a:endParaRPr kumimoji="1" lang="ja-JP" altLang="en-US" sz="1600" b="1">
               <a:latin typeface="+mj-ea"/>
